--- a/Simple hex-redactor on PyQt5.pptx
+++ b/Simple hex-redactor on PyQt5.pptx
@@ -109,6 +109,11 @@
       </a:defRPr>
     </a:lvl9pPr>
   </p:defaultTextStyle>
+  <p:extLst>
+    <p:ext uri="{EFAFB233-063F-42B5-8137-9DF3F51BA10A}">
+      <p15:sldGuideLst xmlns:p15="http://schemas.microsoft.com/office/powerpoint/2012/main"/>
+    </p:ext>
+  </p:extLst>
 </p:presentation>
 </file>
 
@@ -338,7 +343,7 @@
           <a:p>
             <a:fld id="{F4D56007-6E2F-4C67-BF2D-81887281AD5D}" type="datetimeFigureOut">
               <a:rPr lang="ru-RU" smtClean="0"/>
-              <a:t>15.12.2018</a:t>
+              <a:t>27.12.2018</a:t>
             </a:fld>
             <a:endParaRPr lang="ru-RU"/>
           </a:p>
@@ -546,7 +551,7 @@
           <a:p>
             <a:fld id="{F4D56007-6E2F-4C67-BF2D-81887281AD5D}" type="datetimeFigureOut">
               <a:rPr lang="ru-RU" smtClean="0"/>
-              <a:t>15.12.2018</a:t>
+              <a:t>27.12.2018</a:t>
             </a:fld>
             <a:endParaRPr lang="ru-RU"/>
           </a:p>
@@ -802,7 +807,7 @@
           <a:p>
             <a:fld id="{F4D56007-6E2F-4C67-BF2D-81887281AD5D}" type="datetimeFigureOut">
               <a:rPr lang="ru-RU" smtClean="0"/>
-              <a:t>15.12.2018</a:t>
+              <a:t>27.12.2018</a:t>
             </a:fld>
             <a:endParaRPr lang="ru-RU"/>
           </a:p>
@@ -976,7 +981,7 @@
           <a:p>
             <a:fld id="{F4D56007-6E2F-4C67-BF2D-81887281AD5D}" type="datetimeFigureOut">
               <a:rPr lang="ru-RU" smtClean="0"/>
-              <a:t>15.12.2018</a:t>
+              <a:t>27.12.2018</a:t>
             </a:fld>
             <a:endParaRPr lang="ru-RU"/>
           </a:p>
@@ -1319,7 +1324,7 @@
           <a:p>
             <a:fld id="{F4D56007-6E2F-4C67-BF2D-81887281AD5D}" type="datetimeFigureOut">
               <a:rPr lang="ru-RU" smtClean="0"/>
-              <a:t>15.12.2018</a:t>
+              <a:t>27.12.2018</a:t>
             </a:fld>
             <a:endParaRPr lang="ru-RU"/>
           </a:p>
@@ -1594,7 +1599,7 @@
           <a:p>
             <a:fld id="{F4D56007-6E2F-4C67-BF2D-81887281AD5D}" type="datetimeFigureOut">
               <a:rPr lang="ru-RU" smtClean="0"/>
-              <a:t>15.12.2018</a:t>
+              <a:t>27.12.2018</a:t>
             </a:fld>
             <a:endParaRPr lang="ru-RU"/>
           </a:p>
@@ -1973,7 +1978,7 @@
           <a:p>
             <a:fld id="{F4D56007-6E2F-4C67-BF2D-81887281AD5D}" type="datetimeFigureOut">
               <a:rPr lang="ru-RU" smtClean="0"/>
-              <a:t>15.12.2018</a:t>
+              <a:t>27.12.2018</a:t>
             </a:fld>
             <a:endParaRPr lang="ru-RU"/>
           </a:p>
@@ -2091,7 +2096,7 @@
           <a:p>
             <a:fld id="{F4D56007-6E2F-4C67-BF2D-81887281AD5D}" type="datetimeFigureOut">
               <a:rPr lang="ru-RU" smtClean="0"/>
-              <a:t>15.12.2018</a:t>
+              <a:t>27.12.2018</a:t>
             </a:fld>
             <a:endParaRPr lang="ru-RU"/>
           </a:p>
@@ -2262,7 +2267,7 @@
           <a:p>
             <a:fld id="{F4D56007-6E2F-4C67-BF2D-81887281AD5D}" type="datetimeFigureOut">
               <a:rPr lang="ru-RU" smtClean="0"/>
-              <a:t>15.12.2018</a:t>
+              <a:t>27.12.2018</a:t>
             </a:fld>
             <a:endParaRPr lang="ru-RU"/>
           </a:p>
@@ -2616,7 +2621,7 @@
           <a:p>
             <a:fld id="{F4D56007-6E2F-4C67-BF2D-81887281AD5D}" type="datetimeFigureOut">
               <a:rPr lang="ru-RU" smtClean="0"/>
-              <a:t>15.12.2018</a:t>
+              <a:t>27.12.2018</a:t>
             </a:fld>
             <a:endParaRPr lang="ru-RU"/>
           </a:p>
@@ -2998,7 +3003,7 @@
           <a:p>
             <a:fld id="{F4D56007-6E2F-4C67-BF2D-81887281AD5D}" type="datetimeFigureOut">
               <a:rPr lang="ru-RU" smtClean="0"/>
-              <a:t>15.12.2018</a:t>
+              <a:t>27.12.2018</a:t>
             </a:fld>
             <a:endParaRPr lang="ru-RU"/>
           </a:p>
@@ -3285,7 +3290,7 @@
           <a:p>
             <a:fld id="{F4D56007-6E2F-4C67-BF2D-81887281AD5D}" type="datetimeFigureOut">
               <a:rPr lang="ru-RU" smtClean="0"/>
-              <a:t>15.12.2018</a:t>
+              <a:t>27.12.2018</a:t>
             </a:fld>
             <a:endParaRPr lang="ru-RU"/>
           </a:p>
@@ -4504,7 +4509,19 @@
           <a:p>
             <a:r>
               <a:rPr lang="ru-RU" dirty="0" smtClean="0"/>
-              <a:t>Пока что это только базовая версия того что я хочу реализовать. Будут добавлены выделение соответствующего участка текста при выделении </a:t>
+              <a:t>Пока что это только базовая версия того что я хочу реализовать. </a:t>
+            </a:r>
+            <a:r>
+              <a:rPr lang="ru-RU" dirty="0" smtClean="0"/>
+              <a:t>Возможна реализация</a:t>
+            </a:r>
+            <a:r>
+              <a:rPr lang="ru-RU" dirty="0" smtClean="0"/>
+              <a:t> выделения </a:t>
+            </a:r>
+            <a:r>
+              <a:rPr lang="ru-RU" dirty="0" smtClean="0"/>
+              <a:t>соответствующего участка текста при выделении </a:t>
             </a:r>
             <a:r>
               <a:rPr lang="en-US" dirty="0" smtClean="0"/>
@@ -4512,23 +4529,23 @@
             </a:r>
             <a:r>
               <a:rPr lang="ru-RU" dirty="0" smtClean="0"/>
-              <a:t>данных и автоматическое редактирование текста при редактировании </a:t>
-            </a:r>
-            <a:r>
-              <a:rPr lang="en-US" dirty="0" smtClean="0"/>
-              <a:t>hex – </a:t>
+              <a:t>данных. </a:t>
             </a:r>
             <a:r>
               <a:rPr lang="ru-RU" dirty="0" smtClean="0"/>
-              <a:t>данных</a:t>
-            </a:r>
-            <a:r>
-              <a:rPr lang="en-US" dirty="0" smtClean="0"/>
-              <a:t>; </a:t>
+              <a:t>Помимо того, </a:t>
             </a:r>
             <a:r>
               <a:rPr lang="ru-RU" dirty="0" smtClean="0"/>
-              <a:t>изменение размера, цвета и шрифта теста. Помимо того, будет реализован модуль </a:t>
+              <a:t>можно</a:t>
+            </a:r>
+            <a:r>
+              <a:rPr lang="ru-RU" dirty="0" smtClean="0"/>
+              <a:t> </a:t>
+            </a:r>
+            <a:r>
+              <a:rPr lang="ru-RU" dirty="0" smtClean="0"/>
+              <a:t>реализован модуль </a:t>
             </a:r>
             <a:r>
               <a:rPr lang="en-US" dirty="0" smtClean="0"/>
@@ -4536,11 +4553,23 @@
             </a:r>
             <a:r>
               <a:rPr lang="ru-RU" dirty="0" smtClean="0"/>
-              <a:t>с инструкцией по работе </a:t>
-            </a:r>
-            <a:r>
-              <a:rPr lang="ru-RU" smtClean="0"/>
-              <a:t>над программой.</a:t>
+              <a:t>с инструкцией по </a:t>
+            </a:r>
+            <a:r>
+              <a:rPr lang="ru-RU" smtClean="0"/>
+              <a:t>работе </a:t>
+            </a:r>
+            <a:r>
+              <a:rPr lang="ru-RU"/>
+              <a:t>с</a:t>
+            </a:r>
+            <a:r>
+              <a:rPr lang="ru-RU" smtClean="0"/>
+              <a:t> </a:t>
+            </a:r>
+            <a:r>
+              <a:rPr lang="ru-RU" dirty="0" smtClean="0"/>
+              <a:t>программой.</a:t>
             </a:r>
             <a:endParaRPr lang="ru-RU" dirty="0"/>
           </a:p>
